--- a/Cover Slide.pptx
+++ b/Cover Slide.pptx
@@ -3245,14 +3245,14 @@
           <p:nvPr>
             <p:extLst>
               <p:ext uri="{D42A27DB-BD31-4B8C-83A1-F6EECF244321}">
-                <p14:modId xmlns:p14="http://schemas.microsoft.com/office/powerpoint/2010/main" val="1629114872"/>
+                <p14:modId xmlns:p14="http://schemas.microsoft.com/office/powerpoint/2010/main" val="2209974415"/>
               </p:ext>
             </p:extLst>
           </p:nvPr>
         </p:nvGraphicFramePr>
         <p:xfrm>
           <a:off x="444500" y="2813050"/>
-          <a:ext cx="8496300" cy="1097280"/>
+          <a:ext cx="8496300" cy="1402080"/>
         </p:xfrm>
         <a:graphic>
           <a:graphicData uri="http://schemas.openxmlformats.org/drawingml/2006/table">
@@ -3261,9 +3261,9 @@
                 <a:tableStyleId>{5C22544A-7EE6-4342-B048-85BDC9FD1C3A}</a:tableStyleId>
               </a:tblPr>
               <a:tblGrid>
-                <a:gridCol w="2436822"/>
-                <a:gridCol w="3401126"/>
-                <a:gridCol w="2658352"/>
+                <a:gridCol w="2197100"/>
+                <a:gridCol w="3543300"/>
+                <a:gridCol w="2755900"/>
               </a:tblGrid>
               <a:tr h="370840">
                 <a:tc>
@@ -3517,7 +3517,7 @@
                             <a:srgbClr val="FFFFFF"/>
                           </a:solidFill>
                         </a:rPr>
-                        <a:t>Computer Science</a:t>
+                        <a:t>“Undecided” (but really just  Computer Science)</a:t>
                       </a:r>
                       <a:endParaRPr lang="en-US" sz="2000" b="1" dirty="0">
                         <a:solidFill>
@@ -3565,6 +3565,13 @@
   <p:clrMapOvr>
     <a:masterClrMapping/>
   </p:clrMapOvr>
+  <p:timing>
+    <p:tnLst>
+      <p:par>
+        <p:cTn xmlns:p14="http://schemas.microsoft.com/office/powerpoint/2010/main" id="1" dur="indefinite" restart="never" nodeType="tmRoot"/>
+      </p:par>
+    </p:tnLst>
+  </p:timing>
 </p:sld>
 </file>
 

--- a/Cover Slide.pptx
+++ b/Cover Slide.pptx
@@ -3245,14 +3245,14 @@
           <p:nvPr>
             <p:extLst>
               <p:ext uri="{D42A27DB-BD31-4B8C-83A1-F6EECF244321}">
-                <p14:modId xmlns:p14="http://schemas.microsoft.com/office/powerpoint/2010/main" val="2209974415"/>
+                <p14:modId xmlns:p14="http://schemas.microsoft.com/office/powerpoint/2010/main" val="174056041"/>
               </p:ext>
             </p:extLst>
           </p:nvPr>
         </p:nvGraphicFramePr>
         <p:xfrm>
-          <a:off x="444500" y="2813050"/>
-          <a:ext cx="8496300" cy="1402080"/>
+          <a:off x="101600" y="2813050"/>
+          <a:ext cx="9144000" cy="1097280"/>
         </p:xfrm>
         <a:graphic>
           <a:graphicData uri="http://schemas.openxmlformats.org/drawingml/2006/table">
@@ -3262,8 +3262,8 @@
               </a:tblPr>
               <a:tblGrid>
                 <a:gridCol w="2197100"/>
-                <a:gridCol w="3543300"/>
-                <a:gridCol w="2755900"/>
+                <a:gridCol w="3314700"/>
+                <a:gridCol w="3632200"/>
               </a:tblGrid>
               <a:tr h="370840">
                 <a:tc>
@@ -3517,7 +3517,7 @@
                             <a:srgbClr val="FFFFFF"/>
                           </a:solidFill>
                         </a:rPr>
-                        <a:t>“Undecided” (but really just  Computer Science)</a:t>
+                        <a:t>“Undecided” (but really just  CS)</a:t>
                       </a:r>
                       <a:endParaRPr lang="en-US" sz="2000" b="1" dirty="0">
                         <a:solidFill>
